--- a/2024-05-04to05-10 (A5) C384400 NASA/30_24v01_Base Campi Atemis_FinalFindings.pptx
+++ b/2024-05-04to05-10 (A5) C384400 NASA/30_24v01_Base Campi Atemis_FinalFindings.pptx
@@ -1820,7 +1820,7 @@
               </a14:hiddenLine>
             </a:ext>
             <a:ext uri="{FAA26D3D-D897-4be2-8F04-BA451C77F1D7}">
-              <ma14:placeholderFlag xmlns:ma14="http://schemas.microsoft.com/office/mac/drawingml/2011/main" xmlns="" val="1"/>
+              <ma14:placeholderFlag xmlns="" xmlns:ma14="http://schemas.microsoft.com/office/mac/drawingml/2011/main" val="1"/>
             </a:ext>
           </a:extLst>
         </p:spPr>
@@ -2074,7 +2074,7 @@
               </a14:hiddenLine>
             </a:ext>
             <a:ext uri="{FAA26D3D-D897-4be2-8F04-BA451C77F1D7}">
-              <ma14:placeholderFlag xmlns:ma14="http://schemas.microsoft.com/office/mac/drawingml/2011/main" xmlns="" val="1"/>
+              <ma14:placeholderFlag xmlns="" xmlns:ma14="http://schemas.microsoft.com/office/mac/drawingml/2011/main" val="1"/>
             </a:ext>
           </a:extLst>
         </p:spPr>
@@ -2328,7 +2328,7 @@
               </a14:hiddenLine>
             </a:ext>
             <a:ext uri="{FAA26D3D-D897-4be2-8F04-BA451C77F1D7}">
-              <ma14:placeholderFlag xmlns:ma14="http://schemas.microsoft.com/office/mac/drawingml/2011/main" xmlns="" val="1"/>
+              <ma14:placeholderFlag xmlns="" xmlns:ma14="http://schemas.microsoft.com/office/mac/drawingml/2011/main" val="1"/>
             </a:ext>
           </a:extLst>
         </p:spPr>
@@ -2941,7 +2941,7 @@
               </a14:hiddenLine>
             </a:ext>
             <a:ext uri="{FAA26D3D-D897-4be2-8F04-BA451C77F1D7}">
-              <ma14:placeholderFlag xmlns:ma14="http://schemas.microsoft.com/office/mac/drawingml/2011/main" xmlns="" val="1"/>
+              <ma14:placeholderFlag xmlns="" xmlns:ma14="http://schemas.microsoft.com/office/mac/drawingml/2011/main" val="1"/>
             </a:ext>
           </a:extLst>
         </p:spPr>
@@ -5838,14 +5838,14 @@
           </a:ln>
           <a:extLst>
             <a:ext uri="{909E8E84-426E-40dd-AFC4-6F175D3DCCD1}">
-              <a14:hiddenFill xmlns="" xmlns:a14="http://schemas.microsoft.com/office/drawing/2010/main">
+              <a14:hiddenFill xmlns:a14="http://schemas.microsoft.com/office/drawing/2010/main" xmlns="">
                 <a:solidFill>
                   <a:schemeClr val="accent1"/>
                 </a:solidFill>
               </a14:hiddenFill>
             </a:ext>
             <a:ext uri="{91240B29-F687-4f45-9708-019B960494DF}">
-              <a14:hiddenLine xmlns="" xmlns:a14="http://schemas.microsoft.com/office/drawing/2010/main" w="9525">
+              <a14:hiddenLine xmlns:a14="http://schemas.microsoft.com/office/drawing/2010/main" xmlns="" w="9525">
                 <a:solidFill>
                   <a:schemeClr val="tx1"/>
                 </a:solidFill>
@@ -6274,20 +6274,20 @@
           <p:nvPr>
             <p:extLst>
               <p:ext uri="{D42A27DB-BD31-4B8C-83A1-F6EECF244321}">
-                <p14:modId xmlns:p14="http://schemas.microsoft.com/office/powerpoint/2010/main" val="2953748811"/>
+                <p14:modId xmlns:p14="http://schemas.microsoft.com/office/powerpoint/2010/main" val="2792558352"/>
               </p:ext>
             </p:extLst>
           </p:nvPr>
         </p:nvGraphicFramePr>
         <p:xfrm>
-          <a:off x="3497262" y="1870602"/>
+          <a:off x="3497262" y="1890058"/>
           <a:ext cx="5197475" cy="3116263"/>
         </p:xfrm>
         <a:graphic>
           <a:graphicData uri="http://schemas.openxmlformats.org/presentationml/2006/ole">
             <mc:AlternateContent xmlns:mc="http://schemas.openxmlformats.org/markup-compatibility/2006">
               <mc:Choice xmlns:v="urn:schemas-microsoft-com:vml" Requires="v">
-                <p:oleObj spid="_x0000_s1035" name="Macro-Enabled Worksheet" r:id="rId3" imgW="5196769" imgH="3116588" progId="Excel.SheetMacroEnabled.12">
+                <p:oleObj spid="_x0000_s1038" name="Macro-Enabled Worksheet" r:id="rId3" imgW="5196769" imgH="3116588" progId="Excel.SheetMacroEnabled.12">
                   <p:link updateAutomatic="1"/>
                 </p:oleObj>
               </mc:Choice>
@@ -6308,7 +6308,7 @@
                     </p:blipFill>
                     <p:spPr>
                       <a:xfrm>
-                        <a:off x="3497262" y="1870602"/>
+                        <a:off x="3497262" y="1890058"/>
                         <a:ext cx="5197475" cy="3116263"/>
                       </a:xfrm>
                       <a:prstGeom prst="rect">
@@ -6391,7 +6391,7 @@
           <p:nvPr>
             <p:extLst>
               <p:ext uri="{D42A27DB-BD31-4B8C-83A1-F6EECF244321}">
-                <p14:modId xmlns:p14="http://schemas.microsoft.com/office/powerpoint/2010/main" val="1266699005"/>
+                <p14:modId xmlns:p14="http://schemas.microsoft.com/office/powerpoint/2010/main" val="3368320616"/>
               </p:ext>
             </p:extLst>
           </p:nvPr>
@@ -6404,7 +6404,7 @@
           <a:graphicData uri="http://schemas.openxmlformats.org/presentationml/2006/ole">
             <mc:AlternateContent xmlns:mc="http://schemas.openxmlformats.org/markup-compatibility/2006">
               <mc:Choice xmlns:v="urn:schemas-microsoft-com:vml" Requires="v">
-                <p:oleObj spid="_x0000_s1036" name="Macro-Enabled Worksheet" r:id="rId5" imgW="5196769" imgH="670734" progId="Excel.SheetMacroEnabled.12">
+                <p:oleObj spid="_x0000_s1039" name="Macro-Enabled Worksheet" r:id="rId5" imgW="5196769" imgH="670734" progId="Excel.SheetMacroEnabled.12">
                   <p:link updateAutomatic="1"/>
                 </p:oleObj>
               </mc:Choice>
@@ -6454,7 +6454,7 @@
           <p:nvPr>
             <p:extLst>
               <p:ext uri="{D42A27DB-BD31-4B8C-83A1-F6EECF244321}">
-                <p14:modId xmlns:p14="http://schemas.microsoft.com/office/powerpoint/2010/main" val="2186262357"/>
+                <p14:modId xmlns:p14="http://schemas.microsoft.com/office/powerpoint/2010/main" val="3087222480"/>
               </p:ext>
             </p:extLst>
           </p:nvPr>
@@ -6467,7 +6467,7 @@
           <a:graphicData uri="http://schemas.openxmlformats.org/presentationml/2006/ole">
             <mc:AlternateContent xmlns:mc="http://schemas.openxmlformats.org/markup-compatibility/2006">
               <mc:Choice xmlns:v="urn:schemas-microsoft-com:vml" Requires="v">
-                <p:oleObj spid="_x0000_s1037" name="Macro-Enabled Worksheet" r:id="rId7" imgW="5196769" imgH="274178" progId="Excel.SheetMacroEnabled.12">
+                <p:oleObj spid="_x0000_s1040" name="Macro-Enabled Worksheet" r:id="rId7" imgW="5196769" imgH="274178" progId="Excel.SheetMacroEnabled.12">
                   <p:link updateAutomatic="1"/>
                 </p:oleObj>
               </mc:Choice>
@@ -6572,7 +6572,7 @@
           <p:nvPr>
             <p:extLst>
               <p:ext uri="{D42A27DB-BD31-4B8C-83A1-F6EECF244321}">
-                <p14:modId xmlns:p14="http://schemas.microsoft.com/office/powerpoint/2010/main" val="899774741"/>
+                <p14:modId xmlns:p14="http://schemas.microsoft.com/office/powerpoint/2010/main" val="447353626"/>
               </p:ext>
             </p:extLst>
           </p:nvPr>
@@ -6585,7 +6585,7 @@
           <a:graphicData uri="http://schemas.openxmlformats.org/presentationml/2006/ole">
             <mc:AlternateContent xmlns:mc="http://schemas.openxmlformats.org/markup-compatibility/2006">
               <mc:Choice xmlns:v="urn:schemas-microsoft-com:vml" Requires="v">
-                <p:oleObj spid="_x0000_s5125" name="Macro-Enabled Worksheet" r:id="rId4" imgW="8244911" imgH="2110701" progId="Excel.SheetMacroEnabled.12">
+                <p:oleObj spid="_x0000_s5126" name="Macro-Enabled Worksheet" r:id="rId4" imgW="8244911" imgH="2110701" progId="Excel.SheetMacroEnabled.12">
                   <p:link updateAutomatic="1"/>
                 </p:oleObj>
               </mc:Choice>
@@ -6696,7 +6696,7 @@
           <p:nvPr>
             <p:extLst>
               <p:ext uri="{D42A27DB-BD31-4B8C-83A1-F6EECF244321}">
-                <p14:modId xmlns:p14="http://schemas.microsoft.com/office/powerpoint/2010/main" val="3824186935"/>
+                <p14:modId xmlns:p14="http://schemas.microsoft.com/office/powerpoint/2010/main" val="3519588358"/>
               </p:ext>
             </p:extLst>
           </p:nvPr>
@@ -6709,7 +6709,7 @@
           <a:graphicData uri="http://schemas.openxmlformats.org/presentationml/2006/ole">
             <mc:AlternateContent xmlns:mc="http://schemas.openxmlformats.org/markup-compatibility/2006">
               <mc:Choice xmlns:v="urn:schemas-microsoft-com:vml" Requires="v">
-                <p:oleObj spid="_x0000_s6150" name="Macro-Enabled Worksheet" r:id="rId4" imgW="9928683" imgH="5463516" progId="Excel.SheetMacroEnabled.12">
+                <p:oleObj spid="_x0000_s6151" name="Macro-Enabled Worksheet" r:id="rId4" imgW="9928683" imgH="5463516" progId="Excel.SheetMacroEnabled.12">
                   <p:link updateAutomatic="1"/>
                 </p:oleObj>
               </mc:Choice>
@@ -6815,7 +6815,7 @@
           <p:nvPr>
             <p:extLst>
               <p:ext uri="{D42A27DB-BD31-4B8C-83A1-F6EECF244321}">
-                <p14:modId xmlns:p14="http://schemas.microsoft.com/office/powerpoint/2010/main" val="1417597019"/>
+                <p14:modId xmlns:p14="http://schemas.microsoft.com/office/powerpoint/2010/main" val="111604204"/>
               </p:ext>
             </p:extLst>
           </p:nvPr>
@@ -6828,7 +6828,7 @@
           <a:graphicData uri="http://schemas.openxmlformats.org/presentationml/2006/ole">
             <mc:AlternateContent xmlns:mc="http://schemas.openxmlformats.org/markup-compatibility/2006">
               <mc:Choice xmlns:v="urn:schemas-microsoft-com:vml" Requires="v">
-                <p:oleObj spid="_x0000_s7173" name="Macro-Enabled Worksheet" r:id="rId4" imgW="7437262" imgH="1196490" progId="Excel.SheetMacroEnabled.12">
+                <p:oleObj spid="_x0000_s7174" name="Macro-Enabled Worksheet" r:id="rId4" imgW="7437262" imgH="1196490" progId="Excel.SheetMacroEnabled.12">
                   <p:link updateAutomatic="1"/>
                 </p:oleObj>
               </mc:Choice>
@@ -6908,7 +6908,7 @@
           <p:nvPr>
             <p:extLst>
               <p:ext uri="{D42A27DB-BD31-4B8C-83A1-F6EECF244321}">
-                <p14:modId xmlns:p14="http://schemas.microsoft.com/office/powerpoint/2010/main" val="4213479040"/>
+                <p14:modId xmlns:p14="http://schemas.microsoft.com/office/powerpoint/2010/main" val="3242111512"/>
               </p:ext>
             </p:extLst>
           </p:nvPr>
@@ -6921,7 +6921,7 @@
           <a:graphicData uri="http://schemas.openxmlformats.org/presentationml/2006/ole">
             <mc:AlternateContent xmlns:mc="http://schemas.openxmlformats.org/markup-compatibility/2006">
               <mc:Choice xmlns:v="urn:schemas-microsoft-com:vml" Requires="v">
-                <p:oleObj spid="_x0000_s8197" name="Macro-Enabled Worksheet" r:id="rId4" imgW="13403403" imgH="4008199" progId="Excel.SheetMacroEnabled.12">
+                <p:oleObj spid="_x0000_s8198" name="Macro-Enabled Worksheet" r:id="rId4" imgW="13403403" imgH="4008199" progId="Excel.SheetMacroEnabled.12">
                   <p:link updateAutomatic="1"/>
                 </p:oleObj>
               </mc:Choice>
@@ -7027,7 +7027,7 @@
           <p:nvPr>
             <p:extLst>
               <p:ext uri="{D42A27DB-BD31-4B8C-83A1-F6EECF244321}">
-                <p14:modId xmlns:p14="http://schemas.microsoft.com/office/powerpoint/2010/main" val="3448024027"/>
+                <p14:modId xmlns:p14="http://schemas.microsoft.com/office/powerpoint/2010/main" val="2715551583"/>
               </p:ext>
             </p:extLst>
           </p:nvPr>
@@ -7040,7 +7040,7 @@
           <a:graphicData uri="http://schemas.openxmlformats.org/presentationml/2006/ole">
             <mc:AlternateContent xmlns:mc="http://schemas.openxmlformats.org/markup-compatibility/2006">
               <mc:Choice xmlns:v="urn:schemas-microsoft-com:vml" Requires="v">
-                <p:oleObj spid="_x0000_s9221" name="Macro-Enabled Worksheet" r:id="rId3" imgW="11186302" imgH="3474767" progId="Excel.SheetMacroEnabled.12">
+                <p:oleObj spid="_x0000_s9222" name="Macro-Enabled Worksheet" r:id="rId3" imgW="11186302" imgH="3474767" progId="Excel.SheetMacroEnabled.12">
                   <p:link updateAutomatic="1"/>
                 </p:oleObj>
               </mc:Choice>
@@ -7185,7 +7185,7 @@
           <p:nvPr>
             <p:extLst>
               <p:ext uri="{D42A27DB-BD31-4B8C-83A1-F6EECF244321}">
-                <p14:modId xmlns:p14="http://schemas.microsoft.com/office/powerpoint/2010/main" val="1606551361"/>
+                <p14:modId xmlns:p14="http://schemas.microsoft.com/office/powerpoint/2010/main" val="3256693519"/>
               </p:ext>
             </p:extLst>
           </p:nvPr>
@@ -7198,7 +7198,7 @@
           <a:graphicData uri="http://schemas.openxmlformats.org/presentationml/2006/ole">
             <mc:AlternateContent xmlns:mc="http://schemas.openxmlformats.org/markup-compatibility/2006">
               <mc:Choice xmlns:v="urn:schemas-microsoft-com:vml" Requires="v">
-                <p:oleObj spid="_x0000_s10245" name="Macro-Enabled Worksheet" r:id="rId3" imgW="11186302" imgH="3474767" progId="Excel.SheetMacroEnabled.12">
+                <p:oleObj spid="_x0000_s10246" name="Macro-Enabled Worksheet" r:id="rId3" imgW="11186302" imgH="3474767" progId="Excel.SheetMacroEnabled.12">
                   <p:link updateAutomatic="1"/>
                 </p:oleObj>
               </mc:Choice>
@@ -20125,36 +20125,6 @@
           </a:p>
         </p:txBody>
       </p:sp>
-      <p:pic>
-        <p:nvPicPr>
-          <p:cNvPr id="4" name="Picture 3">
-            <a:extLst>
-              <a:ext uri="{FF2B5EF4-FFF2-40B4-BE49-F238E27FC236}">
-                <a16:creationId xmlns:a16="http://schemas.microsoft.com/office/drawing/2014/main" id="{BEC690D4-447A-4677-9EDE-057A6756E95D}"/>
-              </a:ext>
-            </a:extLst>
-          </p:cNvPr>
-          <p:cNvPicPr>
-            <a:picLocks noChangeAspect="1"/>
-          </p:cNvPicPr>
-          <p:nvPr/>
-        </p:nvPicPr>
-        <p:blipFill>
-          <a:blip r:embed="rId4"/>
-          <a:stretch>
-            <a:fillRect/>
-          </a:stretch>
-        </p:blipFill>
-        <p:spPr>
-          <a:xfrm>
-            <a:off x="1278636" y="1217207"/>
-            <a:ext cx="6249327" cy="4925428"/>
-          </a:xfrm>
-          <a:prstGeom prst="rect">
-            <a:avLst/>
-          </a:prstGeom>
-        </p:spPr>
-      </p:pic>
       <p:graphicFrame>
         <p:nvGraphicFramePr>
           <p:cNvPr id="3" name="Object 2">
@@ -20170,7 +20140,7 @@
           <p:nvPr>
             <p:extLst>
               <p:ext uri="{D42A27DB-BD31-4B8C-83A1-F6EECF244321}">
-                <p14:modId xmlns:p14="http://schemas.microsoft.com/office/powerpoint/2010/main" val="3530255127"/>
+                <p14:modId xmlns:p14="http://schemas.microsoft.com/office/powerpoint/2010/main" val="3721344782"/>
               </p:ext>
             </p:extLst>
           </p:nvPr>
@@ -20183,12 +20153,12 @@
           <a:graphicData uri="http://schemas.openxmlformats.org/presentationml/2006/ole">
             <mc:AlternateContent xmlns:mc="http://schemas.openxmlformats.org/markup-compatibility/2006">
               <mc:Choice xmlns:v="urn:schemas-microsoft-com:vml" Requires="v">
-                <p:oleObj spid="_x0000_s11269" name="Macro-Enabled Worksheet" r:id="rId5" imgW="3330117" imgH="182927" progId="Excel.SheetMacroEnabled.12">
+                <p:oleObj spid="_x0000_s11270" name="Macro-Enabled Worksheet" r:id="rId4" imgW="3330117" imgH="182927" progId="Excel.SheetMacroEnabled.12">
                   <p:link updateAutomatic="1"/>
                 </p:oleObj>
               </mc:Choice>
               <mc:Fallback>
-                <p:oleObj name="Macro-Enabled Worksheet" r:id="rId5" imgW="3330117" imgH="182927" progId="Excel.SheetMacroEnabled.12">
+                <p:oleObj name="Macro-Enabled Worksheet" r:id="rId4" imgW="3330117" imgH="182927" progId="Excel.SheetMacroEnabled.12">
                   <p:link updateAutomatic="1"/>
                   <p:pic>
                     <p:nvPicPr>
@@ -20197,7 +20167,7 @@
                       <p:nvPr/>
                     </p:nvPicPr>
                     <p:blipFill>
-                      <a:blip r:embed="rId6"/>
+                      <a:blip r:embed="rId5"/>
                       <a:stretch>
                         <a:fillRect/>
                       </a:stretch>
@@ -20233,7 +20203,7 @@
           <p:nvPr/>
         </p:nvPicPr>
         <p:blipFill>
-          <a:blip r:embed="rId7"/>
+          <a:blip r:embed="rId6"/>
           <a:stretch>
             <a:fillRect/>
           </a:stretch>
@@ -20242,6 +20212,36 @@
           <a:xfrm>
             <a:off x="8971280" y="2172970"/>
             <a:ext cx="1723565" cy="2134870"/>
+          </a:xfrm>
+          <a:prstGeom prst="rect">
+            <a:avLst/>
+          </a:prstGeom>
+        </p:spPr>
+      </p:pic>
+      <p:pic>
+        <p:nvPicPr>
+          <p:cNvPr id="6" name="Picture 5">
+            <a:extLst>
+              <a:ext uri="{FF2B5EF4-FFF2-40B4-BE49-F238E27FC236}">
+                <a16:creationId xmlns:a16="http://schemas.microsoft.com/office/drawing/2014/main" id="{75484A1B-7A36-468A-93FF-9D86D7639B93}"/>
+              </a:ext>
+            </a:extLst>
+          </p:cNvPr>
+          <p:cNvPicPr>
+            <a:picLocks noChangeAspect="1"/>
+          </p:cNvPicPr>
+          <p:nvPr/>
+        </p:nvPicPr>
+        <p:blipFill>
+          <a:blip r:embed="rId7"/>
+          <a:stretch>
+            <a:fillRect/>
+          </a:stretch>
+        </p:blipFill>
+        <p:spPr>
+          <a:xfrm>
+            <a:off x="1206408" y="1086644"/>
+            <a:ext cx="6685788" cy="4988052"/>
           </a:xfrm>
           <a:prstGeom prst="rect">
             <a:avLst/>
@@ -20311,36 +20311,6 @@
           </a:p>
         </p:txBody>
       </p:sp>
-      <p:pic>
-        <p:nvPicPr>
-          <p:cNvPr id="3" name="Picture 2">
-            <a:extLst>
-              <a:ext uri="{FF2B5EF4-FFF2-40B4-BE49-F238E27FC236}">
-                <a16:creationId xmlns:a16="http://schemas.microsoft.com/office/drawing/2014/main" id="{4F52164E-8D88-46A6-A8CB-31897D2F0C9F}"/>
-              </a:ext>
-            </a:extLst>
-          </p:cNvPr>
-          <p:cNvPicPr>
-            <a:picLocks noChangeAspect="1"/>
-          </p:cNvPicPr>
-          <p:nvPr/>
-        </p:nvPicPr>
-        <p:blipFill>
-          <a:blip r:embed="rId4"/>
-          <a:stretch>
-            <a:fillRect/>
-          </a:stretch>
-        </p:blipFill>
-        <p:spPr>
-          <a:xfrm>
-            <a:off x="1302765" y="1228699"/>
-            <a:ext cx="7556009" cy="5132243"/>
-          </a:xfrm>
-          <a:prstGeom prst="rect">
-            <a:avLst/>
-          </a:prstGeom>
-        </p:spPr>
-      </p:pic>
       <p:graphicFrame>
         <p:nvGraphicFramePr>
           <p:cNvPr id="7" name="Object 6">
@@ -20356,7 +20326,7 @@
           <p:nvPr>
             <p:extLst>
               <p:ext uri="{D42A27DB-BD31-4B8C-83A1-F6EECF244321}">
-                <p14:modId xmlns:p14="http://schemas.microsoft.com/office/powerpoint/2010/main" val="1706616768"/>
+                <p14:modId xmlns:p14="http://schemas.microsoft.com/office/powerpoint/2010/main" val="3367469592"/>
               </p:ext>
             </p:extLst>
           </p:nvPr>
@@ -20369,12 +20339,12 @@
           <a:graphicData uri="http://schemas.openxmlformats.org/presentationml/2006/ole">
             <mc:AlternateContent xmlns:mc="http://schemas.openxmlformats.org/markup-compatibility/2006">
               <mc:Choice xmlns:v="urn:schemas-microsoft-com:vml" Requires="v">
-                <p:oleObj spid="_x0000_s12293" name="Macro-Enabled Worksheet" r:id="rId5" imgW="3330117" imgH="182927" progId="Excel.SheetMacroEnabled.12">
+                <p:oleObj spid="_x0000_s12294" name="Macro-Enabled Worksheet" r:id="rId4" imgW="3330117" imgH="182927" progId="Excel.SheetMacroEnabled.12">
                   <p:link updateAutomatic="1"/>
                 </p:oleObj>
               </mc:Choice>
               <mc:Fallback>
-                <p:oleObj name="Macro-Enabled Worksheet" r:id="rId5" imgW="3330117" imgH="182927" progId="Excel.SheetMacroEnabled.12">
+                <p:oleObj name="Macro-Enabled Worksheet" r:id="rId4" imgW="3330117" imgH="182927" progId="Excel.SheetMacroEnabled.12">
                   <p:link updateAutomatic="1"/>
                   <p:pic>
                     <p:nvPicPr>
@@ -20389,7 +20359,7 @@
                       <p:nvPr/>
                     </p:nvPicPr>
                     <p:blipFill>
-                      <a:blip r:embed="rId6"/>
+                      <a:blip r:embed="rId5"/>
                       <a:stretch>
                         <a:fillRect/>
                       </a:stretch>
@@ -20425,7 +20395,7 @@
           <p:nvPr/>
         </p:nvPicPr>
         <p:blipFill>
-          <a:blip r:embed="rId7"/>
+          <a:blip r:embed="rId6"/>
           <a:stretch>
             <a:fillRect/>
           </a:stretch>
@@ -20434,6 +20404,36 @@
           <a:xfrm>
             <a:off x="9611360" y="2020570"/>
             <a:ext cx="1723565" cy="2134870"/>
+          </a:xfrm>
+          <a:prstGeom prst="rect">
+            <a:avLst/>
+          </a:prstGeom>
+        </p:spPr>
+      </p:pic>
+      <p:pic>
+        <p:nvPicPr>
+          <p:cNvPr id="6" name="Picture 5">
+            <a:extLst>
+              <a:ext uri="{FF2B5EF4-FFF2-40B4-BE49-F238E27FC236}">
+                <a16:creationId xmlns:a16="http://schemas.microsoft.com/office/drawing/2014/main" id="{5CE0B926-28FF-4FAF-A664-B5E841CD5D7E}"/>
+              </a:ext>
+            </a:extLst>
+          </p:cNvPr>
+          <p:cNvPicPr>
+            <a:picLocks noChangeAspect="1"/>
+          </p:cNvPicPr>
+          <p:nvPr/>
+        </p:nvPicPr>
+        <p:blipFill>
+          <a:blip r:embed="rId7"/>
+          <a:stretch>
+            <a:fillRect/>
+          </a:stretch>
+        </p:blipFill>
+        <p:spPr>
+          <a:xfrm>
+            <a:off x="1204657" y="1154912"/>
+            <a:ext cx="7545324" cy="4991100"/>
           </a:xfrm>
           <a:prstGeom prst="rect">
             <a:avLst/>
@@ -20892,7 +20892,7 @@
           <p:nvPr>
             <p:extLst>
               <p:ext uri="{D42A27DB-BD31-4B8C-83A1-F6EECF244321}">
-                <p14:modId xmlns:p14="http://schemas.microsoft.com/office/powerpoint/2010/main" val="717991985"/>
+                <p14:modId xmlns:p14="http://schemas.microsoft.com/office/powerpoint/2010/main" val="1250574298"/>
               </p:ext>
             </p:extLst>
           </p:nvPr>
@@ -20905,7 +20905,7 @@
           <a:graphicData uri="http://schemas.openxmlformats.org/presentationml/2006/ole">
             <mc:AlternateContent xmlns:mc="http://schemas.openxmlformats.org/markup-compatibility/2006">
               <mc:Choice xmlns:v="urn:schemas-microsoft-com:vml" Requires="v">
-                <p:oleObj spid="_x0000_s13317" name="Macro-Enabled Worksheet" r:id="rId4" imgW="12626375" imgH="4015874" progId="Excel.SheetMacroEnabled.12">
+                <p:oleObj spid="_x0000_s13318" name="Macro-Enabled Worksheet" r:id="rId4" imgW="12626375" imgH="4015874" progId="Excel.SheetMacroEnabled.12">
                   <p:link updateAutomatic="1"/>
                 </p:oleObj>
               </mc:Choice>
@@ -21094,7 +21094,7 @@
           <p:nvPr>
             <p:extLst>
               <p:ext uri="{D42A27DB-BD31-4B8C-83A1-F6EECF244321}">
-                <p14:modId xmlns:p14="http://schemas.microsoft.com/office/powerpoint/2010/main" val="3710554554"/>
+                <p14:modId xmlns:p14="http://schemas.microsoft.com/office/powerpoint/2010/main" val="4187408576"/>
               </p:ext>
             </p:extLst>
           </p:nvPr>
@@ -21107,7 +21107,7 @@
           <a:graphicData uri="http://schemas.openxmlformats.org/presentationml/2006/ole">
             <mc:AlternateContent xmlns:mc="http://schemas.openxmlformats.org/markup-compatibility/2006">
               <mc:Choice xmlns:v="urn:schemas-microsoft-com:vml" Requires="v">
-                <p:oleObj spid="_x0000_s14341" name="Macro-Enabled Worksheet" r:id="rId3" imgW="8580049" imgH="1988749" progId="Excel.SheetMacroEnabled.12">
+                <p:oleObj spid="_x0000_s14342" name="Macro-Enabled Worksheet" r:id="rId3" imgW="8580049" imgH="1988749" progId="Excel.SheetMacroEnabled.12">
                   <p:link updateAutomatic="1"/>
                 </p:oleObj>
               </mc:Choice>
@@ -21215,7 +21215,7 @@
           <p:nvPr>
             <p:extLst>
               <p:ext uri="{D42A27DB-BD31-4B8C-83A1-F6EECF244321}">
-                <p14:modId xmlns:p14="http://schemas.microsoft.com/office/powerpoint/2010/main" val="3075470447"/>
+                <p14:modId xmlns:p14="http://schemas.microsoft.com/office/powerpoint/2010/main" val="1475578210"/>
               </p:ext>
             </p:extLst>
           </p:nvPr>
@@ -21228,7 +21228,7 @@
           <a:graphicData uri="http://schemas.openxmlformats.org/presentationml/2006/ole">
             <mc:AlternateContent xmlns:mc="http://schemas.openxmlformats.org/markup-compatibility/2006">
               <mc:Choice xmlns:v="urn:schemas-microsoft-com:vml" Requires="v">
-                <p:oleObj spid="_x0000_s15365" name="Macro-Enabled Worksheet" r:id="rId3" imgW="8580049" imgH="2979286" progId="Excel.SheetMacroEnabled.12">
+                <p:oleObj spid="_x0000_s15366" name="Macro-Enabled Worksheet" r:id="rId3" imgW="8580049" imgH="2979286" progId="Excel.SheetMacroEnabled.12">
                   <p:link updateAutomatic="1"/>
                 </p:oleObj>
               </mc:Choice>
@@ -21699,7 +21699,7 @@
           <p:nvPr>
             <p:extLst>
               <p:ext uri="{D42A27DB-BD31-4B8C-83A1-F6EECF244321}">
-                <p14:modId xmlns:p14="http://schemas.microsoft.com/office/powerpoint/2010/main" val="1454006727"/>
+                <p14:modId xmlns:p14="http://schemas.microsoft.com/office/powerpoint/2010/main" val="1508284025"/>
               </p:ext>
             </p:extLst>
           </p:nvPr>
@@ -21712,7 +21712,7 @@
           <a:graphicData uri="http://schemas.openxmlformats.org/presentationml/2006/ole">
             <mc:AlternateContent xmlns:mc="http://schemas.openxmlformats.org/markup-compatibility/2006">
               <mc:Choice xmlns:v="urn:schemas-microsoft-com:vml" Requires="v">
-                <p:oleObj spid="_x0000_s2053" name="Macro-Enabled Worksheet" r:id="rId4" imgW="8244911" imgH="1432718" progId="Excel.SheetMacroEnabled.12">
+                <p:oleObj spid="_x0000_s2054" name="Macro-Enabled Worksheet" r:id="rId4" imgW="8244911" imgH="1432718" progId="Excel.SheetMacroEnabled.12">
                   <p:link updateAutomatic="1"/>
                 </p:oleObj>
               </mc:Choice>
@@ -22181,7 +22181,7 @@
           <p:nvPr>
             <p:extLst>
               <p:ext uri="{D42A27DB-BD31-4B8C-83A1-F6EECF244321}">
-                <p14:modId xmlns:p14="http://schemas.microsoft.com/office/powerpoint/2010/main" val="851416072"/>
+                <p14:modId xmlns:p14="http://schemas.microsoft.com/office/powerpoint/2010/main" val="3014356181"/>
               </p:ext>
             </p:extLst>
           </p:nvPr>
@@ -22194,7 +22194,7 @@
           <a:graphicData uri="http://schemas.openxmlformats.org/presentationml/2006/ole">
             <mc:AlternateContent xmlns:mc="http://schemas.openxmlformats.org/markup-compatibility/2006">
               <mc:Choice xmlns:v="urn:schemas-microsoft-com:vml" Requires="v">
-                <p:oleObj spid="_x0000_s16389" name="Macro-Enabled Worksheet" r:id="rId3" imgW="9060215" imgH="1821172" progId="Excel.SheetMacroEnabled.12">
+                <p:oleObj spid="_x0000_s16390" name="Macro-Enabled Worksheet" r:id="rId3" imgW="9060215" imgH="1821172" progId="Excel.SheetMacroEnabled.12">
                   <p:link updateAutomatic="1"/>
                 </p:oleObj>
               </mc:Choice>
@@ -22457,14 +22457,14 @@
           </a:ln>
           <a:extLst>
             <a:ext uri="{909E8E84-426E-40dd-AFC4-6F175D3DCCD1}">
-              <a14:hiddenFill xmlns:a14="http://schemas.microsoft.com/office/drawing/2010/main" xmlns="">
+              <a14:hiddenFill xmlns="" xmlns:a14="http://schemas.microsoft.com/office/drawing/2010/main">
                 <a:solidFill>
                   <a:srgbClr val="FFFFFF"/>
                 </a:solidFill>
               </a14:hiddenFill>
             </a:ext>
             <a:ext uri="{91240B29-F687-4f45-9708-019B960494DF}">
-              <a14:hiddenLine xmlns:a14="http://schemas.microsoft.com/office/drawing/2010/main" xmlns="" w="9525">
+              <a14:hiddenLine xmlns="" xmlns:a14="http://schemas.microsoft.com/office/drawing/2010/main" w="9525">
                 <a:solidFill>
                   <a:srgbClr val="000000"/>
                 </a:solidFill>
@@ -22615,14 +22615,14 @@
           </a:ln>
           <a:extLst>
             <a:ext uri="{909E8E84-426E-40dd-AFC4-6F175D3DCCD1}">
-              <a14:hiddenFill xmlns:a14="http://schemas.microsoft.com/office/drawing/2010/main" xmlns="">
+              <a14:hiddenFill xmlns="" xmlns:a14="http://schemas.microsoft.com/office/drawing/2010/main">
                 <a:solidFill>
                   <a:srgbClr val="FFFFFF"/>
                 </a:solidFill>
               </a14:hiddenFill>
             </a:ext>
             <a:ext uri="{91240B29-F687-4f45-9708-019B960494DF}">
-              <a14:hiddenLine xmlns:a14="http://schemas.microsoft.com/office/drawing/2010/main" xmlns="" w="9525">
+              <a14:hiddenLine xmlns="" xmlns:a14="http://schemas.microsoft.com/office/drawing/2010/main" w="9525">
                 <a:solidFill>
                   <a:srgbClr val="000000"/>
                 </a:solidFill>
@@ -22908,7 +22908,7 @@
           <p:nvPr>
             <p:extLst>
               <p:ext uri="{D42A27DB-BD31-4B8C-83A1-F6EECF244321}">
-                <p14:modId xmlns:p14="http://schemas.microsoft.com/office/powerpoint/2010/main" val="4107454219"/>
+                <p14:modId xmlns:p14="http://schemas.microsoft.com/office/powerpoint/2010/main" val="868785520"/>
               </p:ext>
             </p:extLst>
           </p:nvPr>
@@ -22921,7 +22921,7 @@
           <a:graphicData uri="http://schemas.openxmlformats.org/presentationml/2006/ole">
             <mc:AlternateContent xmlns:mc="http://schemas.openxmlformats.org/markup-compatibility/2006">
               <mc:Choice xmlns:v="urn:schemas-microsoft-com:vml" Requires="v">
-                <p:oleObj spid="_x0000_s17413" name="Macro-Enabled Worksheet" r:id="rId5" imgW="2933735" imgH="693333" progId="Excel.SheetMacroEnabled.12">
+                <p:oleObj spid="_x0000_s17414" name="Macro-Enabled Worksheet" r:id="rId5" imgW="2933735" imgH="693333" progId="Excel.SheetMacroEnabled.12">
                   <p:link updateAutomatic="1"/>
                 </p:oleObj>
               </mc:Choice>
@@ -23188,7 +23188,7 @@
           <p:nvPr>
             <p:extLst>
               <p:ext uri="{D42A27DB-BD31-4B8C-83A1-F6EECF244321}">
-                <p14:modId xmlns:p14="http://schemas.microsoft.com/office/powerpoint/2010/main" val="496699931"/>
+                <p14:modId xmlns:p14="http://schemas.microsoft.com/office/powerpoint/2010/main" val="2077056251"/>
               </p:ext>
             </p:extLst>
           </p:nvPr>
@@ -23201,7 +23201,7 @@
           <a:graphicData uri="http://schemas.openxmlformats.org/presentationml/2006/ole">
             <mc:AlternateContent xmlns:mc="http://schemas.openxmlformats.org/markup-compatibility/2006">
               <mc:Choice xmlns:v="urn:schemas-microsoft-com:vml" Requires="v">
-                <p:oleObj spid="_x0000_s3077" name="Macro-Enabled Worksheet" r:id="rId4" imgW="8244911" imgH="1584944" progId="Excel.SheetMacroEnabled.12">
+                <p:oleObj spid="_x0000_s3078" name="Macro-Enabled Worksheet" r:id="rId4" imgW="8244911" imgH="1584944" progId="Excel.SheetMacroEnabled.12">
                   <p:link updateAutomatic="1"/>
                 </p:oleObj>
               </mc:Choice>
@@ -23306,7 +23306,7 @@
           <p:nvPr>
             <p:extLst>
               <p:ext uri="{D42A27DB-BD31-4B8C-83A1-F6EECF244321}">
-                <p14:modId xmlns:p14="http://schemas.microsoft.com/office/powerpoint/2010/main" val="4270669427"/>
+                <p14:modId xmlns:p14="http://schemas.microsoft.com/office/powerpoint/2010/main" val="694978850"/>
               </p:ext>
             </p:extLst>
           </p:nvPr>
@@ -23319,7 +23319,7 @@
           <a:graphicData uri="http://schemas.openxmlformats.org/presentationml/2006/ole">
             <mc:AlternateContent xmlns:mc="http://schemas.openxmlformats.org/markup-compatibility/2006">
               <mc:Choice xmlns:v="urn:schemas-microsoft-com:vml" Requires="v">
-                <p:oleObj spid="_x0000_s4101" name="Macro-Enabled Worksheet" r:id="rId4" imgW="7437262" imgH="1394342" progId="Excel.SheetMacroEnabled.12">
+                <p:oleObj spid="_x0000_s4102" name="Macro-Enabled Worksheet" r:id="rId4" imgW="7437262" imgH="1394342" progId="Excel.SheetMacroEnabled.12">
                   <p:link updateAutomatic="1"/>
                 </p:oleObj>
               </mc:Choice>
@@ -24911,12 +24911,6 @@
 </file>
 
 <file path=customXml/item1.xml><?xml version="1.0" encoding="utf-8"?>
-<p:properties xmlns:p="http://schemas.microsoft.com/office/2006/metadata/properties" xmlns:xsi="http://www.w3.org/2001/XMLSchema-instance" xmlns:pc="http://schemas.microsoft.com/office/infopath/2007/PartnerControls">
-  <documentManagement/>
-</p:properties>
-</file>
-
-<file path=customXml/item2.xml><?xml version="1.0" encoding="utf-8"?>
 <ct:contentTypeSchema xmlns:ct="http://schemas.microsoft.com/office/2006/metadata/contentType" xmlns:ma="http://schemas.microsoft.com/office/2006/metadata/properties/metaAttributes" ct:_="" ma:_="" ma:contentTypeName="Document" ma:contentTypeID="0x0101001F513751AC33344AB32CFD2920EFE649" ma:contentTypeVersion="11" ma:contentTypeDescription="Create a new document." ma:contentTypeScope="" ma:versionID="683516f7d70434a0e4dbd6c476be8d5b">
   <xsd:schema xmlns:xsd="http://www.w3.org/2001/XMLSchema" xmlns:xs="http://www.w3.org/2001/XMLSchema" xmlns:p="http://schemas.microsoft.com/office/2006/metadata/properties" xmlns:ns2="72e3a154-4955-46c3-9573-e9dec3e1f195" xmlns:ns3="ec500478-62e0-46fc-87f1-cfa988e486b4" targetNamespace="http://schemas.microsoft.com/office/2006/metadata/properties" ma:root="true" ma:fieldsID="cf4a15c6a1eec5dbba94230cc6a50510" ns2:_="" ns3:_="">
     <xsd:import namespace="72e3a154-4955-46c3-9573-e9dec3e1f195"/>
@@ -25127,7 +25121,7 @@
 </ct:contentTypeSchema>
 </file>
 
-<file path=customXml/item3.xml><?xml version="1.0" encoding="utf-8"?>
+<file path=customXml/item2.xml><?xml version="1.0" encoding="utf-8"?>
 <?mso-contentType ?>
 <FormTemplates xmlns="http://schemas.microsoft.com/sharepoint/v3/contenttype/forms">
   <Display>DocumentLibraryForm</Display>
@@ -25136,24 +25130,13 @@
 </FormTemplates>
 </file>
 
-<file path=customXml/itemProps1.xml><?xml version="1.0" encoding="utf-8"?>
-<ds:datastoreItem xmlns:ds="http://schemas.openxmlformats.org/officeDocument/2006/customXml" ds:itemID="{5F07B0D7-F930-4230-933E-ABA84959494E}">
-  <ds:schemaRefs>
-    <ds:schemaRef ds:uri="http://purl.org/dc/dcmitype/"/>
-    <ds:schemaRef ds:uri="http://schemas.microsoft.com/office/2006/metadata/properties"/>
-    <ds:schemaRef ds:uri="72e3a154-4955-46c3-9573-e9dec3e1f195"/>
-    <ds:schemaRef ds:uri="http://schemas.microsoft.com/office/2006/documentManagement/types"/>
-    <ds:schemaRef ds:uri="http://purl.org/dc/terms/"/>
-    <ds:schemaRef ds:uri="http://purl.org/dc/elements/1.1/"/>
-    <ds:schemaRef ds:uri="http://schemas.microsoft.com/office/infopath/2007/PartnerControls"/>
-    <ds:schemaRef ds:uri="http://schemas.openxmlformats.org/package/2006/metadata/core-properties"/>
-    <ds:schemaRef ds:uri="ec500478-62e0-46fc-87f1-cfa988e486b4"/>
-    <ds:schemaRef ds:uri="http://www.w3.org/XML/1998/namespace"/>
-  </ds:schemaRefs>
-</ds:datastoreItem>
+<file path=customXml/item3.xml><?xml version="1.0" encoding="utf-8"?>
+<p:properties xmlns:p="http://schemas.microsoft.com/office/2006/metadata/properties" xmlns:xsi="http://www.w3.org/2001/XMLSchema-instance" xmlns:pc="http://schemas.microsoft.com/office/infopath/2007/PartnerControls">
+  <documentManagement/>
+</p:properties>
 </file>
 
-<file path=customXml/itemProps2.xml><?xml version="1.0" encoding="utf-8"?>
+<file path=customXml/itemProps1.xml><?xml version="1.0" encoding="utf-8"?>
 <ds:datastoreItem xmlns:ds="http://schemas.openxmlformats.org/officeDocument/2006/customXml" ds:itemID="{CBD4B3B2-3D3C-4F85-B2D6-F89B005D67E0}">
   <ds:schemaRefs>
     <ds:schemaRef ds:uri="http://schemas.microsoft.com/office/2006/metadata/contentType"/>
@@ -25172,10 +25155,27 @@
 </ds:datastoreItem>
 </file>
 
-<file path=customXml/itemProps3.xml><?xml version="1.0" encoding="utf-8"?>
+<file path=customXml/itemProps2.xml><?xml version="1.0" encoding="utf-8"?>
 <ds:datastoreItem xmlns:ds="http://schemas.openxmlformats.org/officeDocument/2006/customXml" ds:itemID="{B8B49826-D5EE-4D24-B649-7C3A19B527D2}">
   <ds:schemaRefs>
     <ds:schemaRef ds:uri="http://schemas.microsoft.com/sharepoint/v3/contenttype/forms"/>
   </ds:schemaRefs>
 </ds:datastoreItem>
+</file>
+
+<file path=customXml/itemProps3.xml><?xml version="1.0" encoding="utf-8"?>
+<ds:datastoreItem xmlns:ds="http://schemas.openxmlformats.org/officeDocument/2006/customXml" ds:itemID="{5F07B0D7-F930-4230-933E-ABA84959494E}">
+  <ds:schemaRefs>
+    <ds:schemaRef ds:uri="http://purl.org/dc/dcmitype/"/>
+    <ds:schemaRef ds:uri="http://schemas.microsoft.com/office/2006/metadata/properties"/>
+    <ds:schemaRef ds:uri="72e3a154-4955-46c3-9573-e9dec3e1f195"/>
+    <ds:schemaRef ds:uri="http://schemas.microsoft.com/office/2006/documentManagement/types"/>
+    <ds:schemaRef ds:uri="http://purl.org/dc/terms/"/>
+    <ds:schemaRef ds:uri="http://purl.org/dc/elements/1.1/"/>
+    <ds:schemaRef ds:uri="http://schemas.microsoft.com/office/infopath/2007/PartnerControls"/>
+    <ds:schemaRef ds:uri="http://schemas.openxmlformats.org/package/2006/metadata/core-properties"/>
+    <ds:schemaRef ds:uri="ec500478-62e0-46fc-87f1-cfa988e486b4"/>
+    <ds:schemaRef ds:uri="http://www.w3.org/XML/1998/namespace"/>
+  </ds:schemaRefs>
+</ds:datastoreItem>
 </file>